--- a/Project presentation.pptx
+++ b/Project presentation.pptx
@@ -6646,7 +6646,7 @@
         </p:nvSpPr>
         <p:spPr>
           <a:xfrm>
-            <a:off x="2348753" y="472000"/>
+            <a:off x="2321858" y="310635"/>
             <a:ext cx="8534400" cy="1507067"/>
           </a:xfrm>
         </p:spPr>
@@ -6680,12 +6680,12 @@
         <p:spPr>
           <a:xfrm>
             <a:off x="230212" y="1667575"/>
-            <a:ext cx="6210929" cy="4132093"/>
+            <a:ext cx="6547106" cy="4531519"/>
           </a:xfrm>
         </p:spPr>
         <p:txBody>
           <a:bodyPr>
-            <a:normAutofit fontScale="92500"/>
+            <a:normAutofit fontScale="85000" lnSpcReduction="20000"/>
           </a:bodyPr>
           <a:lstStyle/>
           <a:p>
@@ -6693,24 +6693,25 @@
               <a:buNone/>
             </a:pPr>
             <a:r>
+              <a:rPr lang="uk-UA" sz="3200" b="1" dirty="0"/>
+              <a:t>Код зроблений в трьох файлах </a:t>
+            </a:r>
+            <a:r>
+              <a:rPr lang="en-US" sz="3200" b="1" dirty="0"/>
+              <a:t>Python</a:t>
+            </a:r>
+            <a:r>
+              <a:rPr lang="uk-UA" sz="3200" b="1" dirty="0"/>
+              <a:t>: </a:t>
+            </a:r>
+          </a:p>
+          <a:p>
+            <a:pPr marL="0" indent="0">
+              <a:buNone/>
+            </a:pPr>
+            <a:r>
               <a:rPr lang="uk-UA" sz="3200" dirty="0"/>
-              <a:t>Код зроблений в </a:t>
-            </a:r>
-            <a:r>
-              <a:rPr lang="uk-UA" sz="3200" dirty="0" err="1"/>
-              <a:t>двух</a:t>
-            </a:r>
-            <a:r>
-              <a:rPr lang="uk-UA" sz="3200" dirty="0"/>
-              <a:t> файлах </a:t>
-            </a:r>
-            <a:r>
-              <a:rPr lang="en-US" sz="3200" dirty="0"/>
-              <a:t>Python</a:t>
-            </a:r>
-            <a:r>
-              <a:rPr lang="uk-UA" sz="3200" dirty="0"/>
-              <a:t>: в  «</a:t>
+              <a:t>в  «</a:t>
             </a:r>
             <a:r>
               <a:rPr lang="en-US" sz="3200" dirty="0"/>
@@ -6726,7 +6727,16 @@
             </a:r>
             <a:r>
               <a:rPr lang="uk-UA" sz="3200" dirty="0"/>
-              <a:t>, який збирає дані сторінки, а в </a:t>
+              <a:t>, який збирає дані сторінки;</a:t>
+            </a:r>
+          </a:p>
+          <a:p>
+            <a:pPr marL="0" indent="0">
+              <a:buNone/>
+            </a:pPr>
+            <a:r>
+              <a:rPr lang="uk-UA" sz="3200" dirty="0"/>
+              <a:t>в </a:t>
             </a:r>
             <a:r>
               <a:rPr lang="en-US" sz="3200" dirty="0"/>
@@ -6758,7 +6768,24 @@
             </a:r>
             <a:r>
               <a:rPr lang="uk-UA" sz="3200" dirty="0"/>
-              <a:t>» </a:t>
+              <a:t>»; </a:t>
+            </a:r>
+          </a:p>
+          <a:p>
+            <a:pPr marL="0" indent="0">
+              <a:buNone/>
+            </a:pPr>
+            <a:r>
+              <a:rPr lang="uk-UA" sz="3200" dirty="0"/>
+              <a:t>в «</a:t>
+            </a:r>
+            <a:r>
+              <a:rPr lang="en-US" sz="3200" dirty="0" err="1"/>
+              <a:t>utils</a:t>
+            </a:r>
+            <a:r>
+              <a:rPr lang="uk-UA" sz="3200" dirty="0"/>
+              <a:t>», де знаходиться додаткові функції</a:t>
             </a:r>
           </a:p>
         </p:txBody>
@@ -6895,31 +6922,31 @@
               <a:buNone/>
             </a:pPr>
             <a:r>
-              <a:rPr lang="uk-UA" sz="2800" dirty="0"/>
+              <a:rPr lang="uk-UA" sz="2800" b="1" dirty="0"/>
               <a:t>Код в файлі «</a:t>
             </a:r>
             <a:r>
-              <a:rPr lang="en-US" sz="2800" dirty="0"/>
+              <a:rPr lang="en-US" sz="2800" b="1" dirty="0"/>
               <a:t>parser</a:t>
             </a:r>
             <a:r>
-              <a:rPr lang="uk-UA" sz="2800" dirty="0"/>
+              <a:rPr lang="uk-UA" sz="2800" b="1" dirty="0"/>
               <a:t>» </a:t>
             </a:r>
             <a:r>
-              <a:rPr lang="uk-UA" sz="2800" dirty="0" err="1"/>
+              <a:rPr lang="uk-UA" sz="2800" b="1" dirty="0" err="1"/>
               <a:t>реалізован</a:t>
             </a:r>
             <a:r>
-              <a:rPr lang="uk-UA" sz="2800" dirty="0"/>
+              <a:rPr lang="uk-UA" sz="2800" b="1" dirty="0"/>
               <a:t> </a:t>
             </a:r>
             <a:r>
-              <a:rPr lang="uk-UA" sz="2800" dirty="0" err="1"/>
+              <a:rPr lang="uk-UA" sz="2800" b="1" dirty="0" err="1"/>
               <a:t>задопомогою</a:t>
             </a:r>
             <a:r>
-              <a:rPr lang="uk-UA" sz="2800" dirty="0"/>
+              <a:rPr lang="uk-UA" sz="2800" b="1" dirty="0"/>
               <a:t> класу, в якому існує декілька методів:</a:t>
             </a:r>
           </a:p>

--- a/Project presentation.pptx
+++ b/Project presentation.pptx
@@ -13,8 +13,9 @@
     <p:sldId id="261" r:id="rId7"/>
     <p:sldId id="262" r:id="rId8"/>
     <p:sldId id="265" r:id="rId9"/>
-    <p:sldId id="263" r:id="rId10"/>
-    <p:sldId id="264" r:id="rId11"/>
+    <p:sldId id="266" r:id="rId10"/>
+    <p:sldId id="263" r:id="rId11"/>
+    <p:sldId id="264" r:id="rId12"/>
   </p:sldIdLst>
   <p:sldSz cx="12192000" cy="6858000"/>
   <p:notesSz cx="6858000" cy="9144000"/>
@@ -5528,6 +5529,251 @@
           <p:cNvPr id="2" name="Заголовок 1">
             <a:extLst>
               <a:ext uri="{FF2B5EF4-FFF2-40B4-BE49-F238E27FC236}">
+                <a16:creationId xmlns:a16="http://schemas.microsoft.com/office/drawing/2014/main" id="{D1E246C1-15D5-43F6-98C8-D8F2BC2314B1}"/>
+              </a:ext>
+            </a:extLst>
+          </p:cNvPr>
+          <p:cNvSpPr>
+            <a:spLocks noGrp="1"/>
+          </p:cNvSpPr>
+          <p:nvPr>
+            <p:ph type="title"/>
+          </p:nvPr>
+        </p:nvSpPr>
+        <p:spPr>
+          <a:xfrm>
+            <a:off x="1033836" y="493555"/>
+            <a:ext cx="8534400" cy="1507067"/>
+          </a:xfrm>
+        </p:spPr>
+        <p:txBody>
+          <a:bodyPr/>
+          <a:lstStyle/>
+          <a:p>
+            <a:r>
+              <a:rPr lang="uk-UA" dirty="0"/>
+              <a:t>«</a:t>
+            </a:r>
+            <a:r>
+              <a:rPr lang="en-US" dirty="0"/>
+              <a:t>graphic</a:t>
+            </a:r>
+            <a:r>
+              <a:rPr lang="uk-UA" dirty="0"/>
+              <a:t>_</a:t>
+            </a:r>
+            <a:r>
+              <a:rPr lang="en-US" dirty="0"/>
+              <a:t>interface</a:t>
+            </a:r>
+            <a:r>
+              <a:rPr lang="uk-UA" dirty="0"/>
+              <a:t>»</a:t>
+            </a:r>
+          </a:p>
+        </p:txBody>
+      </p:sp>
+      <p:sp>
+        <p:nvSpPr>
+          <p:cNvPr id="3" name="Місце для вмісту 2">
+            <a:extLst>
+              <a:ext uri="{FF2B5EF4-FFF2-40B4-BE49-F238E27FC236}">
+                <a16:creationId xmlns:a16="http://schemas.microsoft.com/office/drawing/2014/main" id="{45CCEBF3-F1D4-4884-8D46-B5784A29943C}"/>
+              </a:ext>
+            </a:extLst>
+          </p:cNvPr>
+          <p:cNvSpPr>
+            <a:spLocks noGrp="1"/>
+          </p:cNvSpPr>
+          <p:nvPr>
+            <p:ph idx="1"/>
+          </p:nvPr>
+        </p:nvSpPr>
+        <p:spPr>
+          <a:xfrm>
+            <a:off x="549742" y="1855694"/>
+            <a:ext cx="6899929" cy="4508751"/>
+          </a:xfrm>
+        </p:spPr>
+        <p:txBody>
+          <a:bodyPr>
+            <a:normAutofit fontScale="92500" lnSpcReduction="10000"/>
+          </a:bodyPr>
+          <a:lstStyle/>
+          <a:p>
+            <a:pPr marL="0" indent="0">
+              <a:buNone/>
+            </a:pPr>
+            <a:r>
+              <a:rPr lang="uk-UA" sz="2800" dirty="0"/>
+              <a:t>Для створення графіки було використано бібліотеку «</a:t>
+            </a:r>
+            <a:r>
+              <a:rPr lang="en-US" sz="2800" dirty="0" err="1"/>
+              <a:t>pysimplegui</a:t>
+            </a:r>
+            <a:r>
+              <a:rPr lang="uk-UA" sz="2800" dirty="0"/>
+              <a:t>». В змінну «</a:t>
+            </a:r>
+            <a:r>
+              <a:rPr lang="en-US" sz="2800" dirty="0" err="1"/>
+              <a:t>tabgrp</a:t>
+            </a:r>
+            <a:r>
+              <a:rPr lang="uk-UA" sz="2800" dirty="0"/>
+              <a:t>» прописані всі елементи і їх характеристики і потім використано для створення вікна. В циклі </a:t>
+            </a:r>
+            <a:r>
+              <a:rPr lang="en-US" sz="2800" dirty="0"/>
+              <a:t>while</a:t>
+            </a:r>
+            <a:r>
+              <a:rPr lang="ru-RU" sz="2800" dirty="0"/>
+              <a:t> </a:t>
+            </a:r>
+            <a:r>
+              <a:rPr lang="uk-UA" sz="2800" dirty="0"/>
+              <a:t>прописані всі команди і дії програми, там же і прописано використання </a:t>
+            </a:r>
+            <a:r>
+              <a:rPr lang="uk-UA" sz="2800" dirty="0" err="1"/>
+              <a:t>парсеру</a:t>
+            </a:r>
+            <a:r>
+              <a:rPr lang="uk-UA" sz="2800" dirty="0"/>
+              <a:t>, зміну номера сторінки і </a:t>
+            </a:r>
+            <a:r>
+              <a:rPr lang="uk-UA" sz="2800" dirty="0" err="1"/>
+              <a:t>т.д</a:t>
+            </a:r>
+            <a:r>
+              <a:rPr lang="uk-UA" sz="2800" dirty="0"/>
+              <a:t>.  Редагування тексту із словника в відкритий формат </a:t>
+            </a:r>
+            <a:r>
+              <a:rPr lang="en-US" sz="2800" dirty="0"/>
+              <a:t> </a:t>
+            </a:r>
+            <a:r>
+              <a:rPr lang="uk-UA" sz="2800" dirty="0"/>
+              <a:t>було зроблено в окремій функції «</a:t>
+            </a:r>
+            <a:r>
+              <a:rPr lang="en-US" sz="2800" dirty="0" err="1"/>
+              <a:t>redact_parse</a:t>
+            </a:r>
+            <a:r>
+              <a:rPr lang="uk-UA" sz="2800" dirty="0"/>
+              <a:t>»</a:t>
+            </a:r>
+            <a:r>
+              <a:rPr lang="en-US" sz="2800" dirty="0"/>
+              <a:t> </a:t>
+            </a:r>
+            <a:r>
+              <a:rPr lang="uk-UA" sz="2800" dirty="0"/>
+              <a:t>для зручності використання в коді.</a:t>
+            </a:r>
+          </a:p>
+        </p:txBody>
+      </p:sp>
+      <p:pic>
+        <p:nvPicPr>
+          <p:cNvPr id="8" name="Рисунок 7">
+            <a:extLst>
+              <a:ext uri="{FF2B5EF4-FFF2-40B4-BE49-F238E27FC236}">
+                <a16:creationId xmlns:a16="http://schemas.microsoft.com/office/drawing/2014/main" id="{6CFED125-C83A-44AC-88B8-CC18FD28EFF8}"/>
+              </a:ext>
+            </a:extLst>
+          </p:cNvPr>
+          <p:cNvPicPr>
+            <a:picLocks noChangeAspect="1"/>
+          </p:cNvPicPr>
+          <p:nvPr/>
+        </p:nvPicPr>
+        <p:blipFill>
+          <a:blip r:embed="rId2"/>
+          <a:stretch>
+            <a:fillRect/>
+          </a:stretch>
+        </p:blipFill>
+        <p:spPr>
+          <a:xfrm>
+            <a:off x="7621115" y="3605447"/>
+            <a:ext cx="4427274" cy="2069212"/>
+          </a:xfrm>
+          <a:prstGeom prst="rect">
+            <a:avLst/>
+          </a:prstGeom>
+        </p:spPr>
+      </p:pic>
+      <p:pic>
+        <p:nvPicPr>
+          <p:cNvPr id="9" name="Рисунок 8">
+            <a:extLst>
+              <a:ext uri="{FF2B5EF4-FFF2-40B4-BE49-F238E27FC236}">
+                <a16:creationId xmlns:a16="http://schemas.microsoft.com/office/drawing/2014/main" id="{3AB04C9F-BFE1-4A30-93A9-C6083F792A85}"/>
+              </a:ext>
+            </a:extLst>
+          </p:cNvPr>
+          <p:cNvPicPr>
+            <a:picLocks noChangeAspect="1"/>
+          </p:cNvPicPr>
+          <p:nvPr/>
+        </p:nvPicPr>
+        <p:blipFill>
+          <a:blip r:embed="rId3"/>
+          <a:stretch>
+            <a:fillRect/>
+          </a:stretch>
+        </p:blipFill>
+        <p:spPr>
+          <a:xfrm>
+            <a:off x="7656681" y="1617274"/>
+            <a:ext cx="4324648" cy="1635280"/>
+          </a:xfrm>
+          <a:prstGeom prst="rect">
+            <a:avLst/>
+          </a:prstGeom>
+        </p:spPr>
+      </p:pic>
+    </p:spTree>
+    <p:extLst>
+      <p:ext uri="{BB962C8B-B14F-4D97-AF65-F5344CB8AC3E}">
+        <p14:creationId xmlns:p14="http://schemas.microsoft.com/office/powerpoint/2010/main" val="3676682583"/>
+      </p:ext>
+    </p:extLst>
+  </p:cSld>
+  <p:clrMapOvr>
+    <a:masterClrMapping/>
+  </p:clrMapOvr>
+</p:sld>
+</file>
+
+<file path=ppt/slides/slide11.xml><?xml version="1.0" encoding="utf-8"?>
+<p:sld xmlns:a="http://schemas.openxmlformats.org/drawingml/2006/main" xmlns:r="http://schemas.openxmlformats.org/officeDocument/2006/relationships" xmlns:p="http://schemas.openxmlformats.org/presentationml/2006/main">
+  <p:cSld>
+    <p:spTree>
+      <p:nvGrpSpPr>
+        <p:cNvPr id="1" name=""/>
+        <p:cNvGrpSpPr/>
+        <p:nvPr/>
+      </p:nvGrpSpPr>
+      <p:grpSpPr>
+        <a:xfrm>
+          <a:off x="0" y="0"/>
+          <a:ext cx="0" cy="0"/>
+          <a:chOff x="0" y="0"/>
+          <a:chExt cx="0" cy="0"/>
+        </a:xfrm>
+      </p:grpSpPr>
+      <p:sp>
+        <p:nvSpPr>
+          <p:cNvPr id="2" name="Заголовок 1">
+            <a:extLst>
+              <a:ext uri="{FF2B5EF4-FFF2-40B4-BE49-F238E27FC236}">
                 <a16:creationId xmlns:a16="http://schemas.microsoft.com/office/drawing/2014/main" id="{18B5A97D-9385-41D8-955A-9A0C45F291D2}"/>
               </a:ext>
             </a:extLst>
@@ -6646,7 +6892,7 @@
         </p:nvSpPr>
         <p:spPr>
           <a:xfrm>
-            <a:off x="2321858" y="310635"/>
+            <a:off x="2308411" y="-148914"/>
             <a:ext cx="8534400" cy="1507067"/>
           </a:xfrm>
         </p:spPr>
@@ -6679,13 +6925,13 @@
         </p:nvSpPr>
         <p:spPr>
           <a:xfrm>
-            <a:off x="230212" y="1667575"/>
-            <a:ext cx="6547106" cy="4531519"/>
+            <a:off x="230212" y="968328"/>
+            <a:ext cx="6547106" cy="5378684"/>
           </a:xfrm>
         </p:spPr>
         <p:txBody>
           <a:bodyPr>
-            <a:normAutofit fontScale="85000" lnSpcReduction="20000"/>
+            <a:normAutofit fontScale="77500" lnSpcReduction="20000"/>
           </a:bodyPr>
           <a:lstStyle/>
           <a:p>
@@ -6786,6 +7032,30 @@
             <a:r>
               <a:rPr lang="uk-UA" sz="3200" dirty="0"/>
               <a:t>», де знаходиться додаткові функції</a:t>
+            </a:r>
+            <a:endParaRPr lang="en-US" sz="3200" dirty="0"/>
+          </a:p>
+          <a:p>
+            <a:pPr marL="0" indent="0">
+              <a:buNone/>
+            </a:pPr>
+            <a:endParaRPr lang="en-US" sz="3200" dirty="0"/>
+          </a:p>
+          <a:p>
+            <a:pPr marL="0" indent="0">
+              <a:buNone/>
+            </a:pPr>
+            <a:r>
+              <a:rPr lang="uk-UA" sz="3200" dirty="0"/>
+              <a:t>Деякі словники були зроблені в </a:t>
+            </a:r>
+            <a:r>
+              <a:rPr lang="en-US" sz="3200" dirty="0"/>
+              <a:t>json </a:t>
+            </a:r>
+            <a:r>
+              <a:rPr lang="uk-UA" sz="3200" dirty="0"/>
+              <a:t>файлах.</a:t>
             </a:r>
           </a:p>
         </p:txBody>
@@ -7105,7 +7375,7 @@
         </p:nvSpPr>
         <p:spPr>
           <a:xfrm>
-            <a:off x="1692741" y="35857"/>
+            <a:off x="1988576" y="282388"/>
             <a:ext cx="8534400" cy="1507067"/>
           </a:xfrm>
         </p:spPr>
@@ -7152,7 +7422,7 @@
         </p:spPr>
         <p:txBody>
           <a:bodyPr>
-            <a:normAutofit lnSpcReduction="10000"/>
+            <a:normAutofit/>
           </a:bodyPr>
           <a:lstStyle/>
           <a:p>
@@ -7160,123 +7430,60 @@
               <a:buNone/>
             </a:pPr>
             <a:r>
-              <a:rPr lang="uk-UA" sz="2400" dirty="0"/>
+              <a:rPr lang="uk-UA" sz="2800" dirty="0"/>
               <a:t>Так як сторінка пошуку має свою будову + потрібно стежити за запитом, номер сторінки і вкладці на яку було </a:t>
             </a:r>
             <a:r>
-              <a:rPr lang="uk-UA" sz="2400" dirty="0" err="1"/>
+              <a:rPr lang="uk-UA" sz="2800" dirty="0" err="1"/>
               <a:t>запарсено</a:t>
             </a:r>
             <a:r>
-              <a:rPr lang="uk-UA" sz="2400" dirty="0"/>
+              <a:rPr lang="uk-UA" sz="2800" dirty="0"/>
               <a:t>, </a:t>
             </a:r>
             <a:r>
-              <a:rPr lang="uk-UA" sz="2400" dirty="0" err="1"/>
+              <a:rPr lang="uk-UA" sz="2800" dirty="0" err="1"/>
               <a:t>парсер</a:t>
             </a:r>
             <a:r>
-              <a:rPr lang="uk-UA" sz="2400" dirty="0"/>
+              <a:rPr lang="uk-UA" sz="2800" dirty="0"/>
               <a:t> має </a:t>
             </a:r>
             <a:r>
-              <a:rPr lang="uk-UA" sz="2400" dirty="0" err="1"/>
+              <a:rPr lang="uk-UA" sz="2800" dirty="0" err="1"/>
               <a:t>декілько</a:t>
             </a:r>
             <a:r>
-              <a:rPr lang="uk-UA" sz="2400" dirty="0"/>
+              <a:rPr lang="uk-UA" sz="2800" dirty="0"/>
               <a:t> умов для того, щоб була </a:t>
             </a:r>
             <a:r>
-              <a:rPr lang="uk-UA" sz="2400" dirty="0" err="1"/>
+              <a:rPr lang="uk-UA" sz="2800" dirty="0" err="1"/>
               <a:t>використанна</a:t>
             </a:r>
             <a:r>
-              <a:rPr lang="uk-UA" sz="2400" dirty="0"/>
+              <a:rPr lang="uk-UA" sz="2800" dirty="0"/>
               <a:t> правильне посилання і для того, щоб </a:t>
             </a:r>
             <a:r>
-              <a:rPr lang="uk-UA" sz="2400" dirty="0" err="1"/>
+              <a:rPr lang="uk-UA" sz="2800" dirty="0" err="1"/>
               <a:t>парсер</a:t>
             </a:r>
             <a:r>
-              <a:rPr lang="uk-UA" sz="2400" dirty="0"/>
+              <a:rPr lang="uk-UA" sz="2800" dirty="0"/>
               <a:t> розумів, що йому потрібно </a:t>
             </a:r>
             <a:r>
-              <a:rPr lang="uk-UA" sz="2400" dirty="0" err="1"/>
+              <a:rPr lang="uk-UA" sz="2800" dirty="0" err="1"/>
               <a:t>парсерить</a:t>
             </a:r>
             <a:r>
-              <a:rPr lang="uk-UA" sz="2400" dirty="0"/>
+              <a:rPr lang="uk-UA" sz="2800" dirty="0"/>
               <a:t>, бо кожна вкладка має свої путі до даних.</a:t>
             </a:r>
           </a:p>
-          <a:p>
-            <a:pPr marL="0" indent="0">
-              <a:buNone/>
-            </a:pPr>
-            <a:r>
-              <a:rPr lang="uk-UA" sz="2400" dirty="0"/>
-              <a:t>Для зручності в </a:t>
-            </a:r>
-            <a:r>
-              <a:rPr lang="uk-UA" sz="2400" dirty="0" err="1"/>
-              <a:t>парсері</a:t>
-            </a:r>
-            <a:r>
-              <a:rPr lang="uk-UA" sz="2400" dirty="0"/>
-              <a:t> є словник зі словниками, який використовується в коді, в якому є майже всі путі до даних для </a:t>
-            </a:r>
-            <a:r>
-              <a:rPr lang="uk-UA" sz="2400" dirty="0" err="1"/>
-              <a:t>кожной</a:t>
-            </a:r>
-            <a:r>
-              <a:rPr lang="uk-UA" sz="2400" dirty="0"/>
-              <a:t> вкладки. Кожен словник має ключ, з назвою того, що потрібно добавити до посилання, щоб воно ввело на необхідну для </a:t>
-            </a:r>
-            <a:r>
-              <a:rPr lang="uk-UA" sz="2400" dirty="0" err="1"/>
-              <a:t>парсинга</a:t>
-            </a:r>
-            <a:r>
-              <a:rPr lang="uk-UA" sz="2400" dirty="0"/>
-              <a:t> сторінку</a:t>
-            </a:r>
-          </a:p>
-        </p:txBody>
-      </p:sp>
-      <p:pic>
-        <p:nvPicPr>
-          <p:cNvPr id="4" name="Рисунок 3">
-            <a:extLst>
-              <a:ext uri="{FF2B5EF4-FFF2-40B4-BE49-F238E27FC236}">
-                <a16:creationId xmlns:a16="http://schemas.microsoft.com/office/drawing/2014/main" id="{6FBA4B67-28A7-4B67-B03D-C9908B6BABE5}"/>
-              </a:ext>
-            </a:extLst>
-          </p:cNvPr>
-          <p:cNvPicPr>
-            <a:picLocks noChangeAspect="1"/>
-          </p:cNvPicPr>
-          <p:nvPr/>
-        </p:nvPicPr>
-        <p:blipFill>
-          <a:blip r:embed="rId2"/>
-          <a:stretch>
-            <a:fillRect/>
-          </a:stretch>
-        </p:blipFill>
-        <p:spPr>
-          <a:xfrm>
-            <a:off x="7829961" y="1573152"/>
-            <a:ext cx="4125420" cy="2104711"/>
-          </a:xfrm>
-          <a:prstGeom prst="rect">
-            <a:avLst/>
-          </a:prstGeom>
-        </p:spPr>
-      </p:pic>
+        </p:txBody>
+      </p:sp>
       <p:pic>
         <p:nvPicPr>
           <p:cNvPr id="5" name="Рисунок 4">
@@ -7292,14 +7499,44 @@
           <p:nvPr/>
         </p:nvPicPr>
         <p:blipFill rotWithShape="1">
-          <a:blip r:embed="rId3"/>
+          <a:blip r:embed="rId2"/>
           <a:srcRect l="-1718" t="-2457" r="31663" b="2457"/>
           <a:stretch/>
         </p:blipFill>
         <p:spPr>
           <a:xfrm>
-            <a:off x="7742798" y="3837391"/>
-            <a:ext cx="4299746" cy="2386603"/>
+            <a:off x="7705853" y="1836769"/>
+            <a:ext cx="4226170" cy="2345764"/>
+          </a:xfrm>
+          <a:prstGeom prst="rect">
+            <a:avLst/>
+          </a:prstGeom>
+        </p:spPr>
+      </p:pic>
+      <p:pic>
+        <p:nvPicPr>
+          <p:cNvPr id="6" name="Рисунок 5">
+            <a:extLst>
+              <a:ext uri="{FF2B5EF4-FFF2-40B4-BE49-F238E27FC236}">
+                <a16:creationId xmlns:a16="http://schemas.microsoft.com/office/drawing/2014/main" id="{F3813157-5145-4224-B2BB-ACAA2DA0ADD1}"/>
+              </a:ext>
+            </a:extLst>
+          </p:cNvPr>
+          <p:cNvPicPr>
+            <a:picLocks noChangeAspect="1"/>
+          </p:cNvPicPr>
+          <p:nvPr/>
+        </p:nvPicPr>
+        <p:blipFill>
+          <a:blip r:embed="rId3"/>
+          <a:stretch>
+            <a:fillRect/>
+          </a:stretch>
+        </p:blipFill>
+        <p:spPr>
+          <a:xfrm>
+            <a:off x="7784075" y="4446832"/>
+            <a:ext cx="4088137" cy="1864481"/>
           </a:xfrm>
           <a:prstGeom prst="rect">
             <a:avLst/>
@@ -7341,7 +7578,7 @@
           <p:cNvPr id="2" name="Заголовок 1">
             <a:extLst>
               <a:ext uri="{FF2B5EF4-FFF2-40B4-BE49-F238E27FC236}">
-                <a16:creationId xmlns:a16="http://schemas.microsoft.com/office/drawing/2014/main" id="{D1E246C1-15D5-43F6-98C8-D8F2BC2314B1}"/>
+                <a16:creationId xmlns:a16="http://schemas.microsoft.com/office/drawing/2014/main" id="{ADBAF547-B5DA-4B7D-A490-CAECD1DAB8D7}"/>
               </a:ext>
             </a:extLst>
           </p:cNvPr>
@@ -7354,7 +7591,7 @@
         </p:nvSpPr>
         <p:spPr>
           <a:xfrm>
-            <a:off x="1033836" y="493555"/>
+            <a:off x="1531376" y="264955"/>
             <a:ext cx="8534400" cy="1507067"/>
           </a:xfrm>
         </p:spPr>
@@ -7368,15 +7605,7 @@
             </a:r>
             <a:r>
               <a:rPr lang="en-US" dirty="0"/>
-              <a:t>graphic</a:t>
-            </a:r>
-            <a:r>
-              <a:rPr lang="uk-UA" dirty="0"/>
-              <a:t>_</a:t>
-            </a:r>
-            <a:r>
-              <a:rPr lang="en-US" dirty="0"/>
-              <a:t>interface</a:t>
+              <a:t>parser</a:t>
             </a:r>
             <a:r>
               <a:rPr lang="uk-UA" dirty="0"/>
@@ -7390,7 +7619,7 @@
           <p:cNvPr id="3" name="Місце для вмісту 2">
             <a:extLst>
               <a:ext uri="{FF2B5EF4-FFF2-40B4-BE49-F238E27FC236}">
-                <a16:creationId xmlns:a16="http://schemas.microsoft.com/office/drawing/2014/main" id="{45CCEBF3-F1D4-4884-8D46-B5784A29943C}"/>
+                <a16:creationId xmlns:a16="http://schemas.microsoft.com/office/drawing/2014/main" id="{AB9CADB4-0D7E-42D8-A76A-7BF75261D196}"/>
               </a:ext>
             </a:extLst>
           </p:cNvPr>
@@ -7403,13 +7632,13 @@
         </p:nvSpPr>
         <p:spPr>
           <a:xfrm>
-            <a:off x="549742" y="1855694"/>
-            <a:ext cx="6899929" cy="4508751"/>
+            <a:off x="401824" y="1748616"/>
+            <a:ext cx="6550306" cy="4844429"/>
           </a:xfrm>
         </p:spPr>
         <p:txBody>
           <a:bodyPr>
-            <a:normAutofit fontScale="92500" lnSpcReduction="10000"/>
+            <a:normAutofit/>
           </a:bodyPr>
           <a:lstStyle/>
           <a:p>
@@ -7418,85 +7647,55 @@
             </a:pPr>
             <a:r>
               <a:rPr lang="uk-UA" sz="2800" dirty="0"/>
-              <a:t>Для створення графіки було використано бібліотеку «</a:t>
+              <a:t>Для зручності в </a:t>
+            </a:r>
+            <a:r>
+              <a:rPr lang="uk-UA" sz="2800" dirty="0" err="1"/>
+              <a:t>парсері</a:t>
+            </a:r>
+            <a:r>
+              <a:rPr lang="uk-UA" sz="2800" dirty="0"/>
+              <a:t> є словник зі словниками, який знаходиться в «</a:t>
             </a:r>
             <a:r>
               <a:rPr lang="en-US" sz="2800" dirty="0" err="1"/>
-              <a:t>pysimplegui</a:t>
+              <a:t>paths_for_parsing.json</a:t>
             </a:r>
             <a:r>
               <a:rPr lang="uk-UA" sz="2800" dirty="0"/>
-              <a:t>». В змінну «</a:t>
-            </a:r>
-            <a:r>
-              <a:rPr lang="en-US" sz="2800" dirty="0" err="1"/>
-              <a:t>tabgrp</a:t>
+              <a:t>», який використовується в коді, в якому є майже всі путі до даних для </a:t>
+            </a:r>
+            <a:r>
+              <a:rPr lang="uk-UA" sz="2800" dirty="0" err="1"/>
+              <a:t>кожной</a:t>
             </a:r>
             <a:r>
               <a:rPr lang="uk-UA" sz="2800" dirty="0"/>
-              <a:t>» прописані всі елементи і їх характеристики і потім використано для створення вікна. В циклі </a:t>
-            </a:r>
-            <a:r>
-              <a:rPr lang="en-US" sz="2800" dirty="0"/>
-              <a:t>while</a:t>
-            </a:r>
-            <a:r>
-              <a:rPr lang="ru-RU" sz="2800" dirty="0"/>
-              <a:t> </a:t>
+              <a:t> вкладки. Кожен словник має ключ, з назвою того, що потрібно добавити до посилання, щоб воно ввело на необхідну для </a:t>
+            </a:r>
+            <a:r>
+              <a:rPr lang="uk-UA" sz="2800" dirty="0" err="1"/>
+              <a:t>парсинга</a:t>
             </a:r>
             <a:r>
               <a:rPr lang="uk-UA" sz="2800" dirty="0"/>
-              <a:t>прописані всі команди і дії програми, там же і прописано використання </a:t>
-            </a:r>
-            <a:r>
-              <a:rPr lang="uk-UA" sz="2800" dirty="0" err="1"/>
-              <a:t>парсеру</a:t>
-            </a:r>
-            <a:r>
-              <a:rPr lang="uk-UA" sz="2800" dirty="0"/>
-              <a:t>, зміну номера сторінки і </a:t>
-            </a:r>
-            <a:r>
-              <a:rPr lang="uk-UA" sz="2800" dirty="0" err="1"/>
-              <a:t>т.д</a:t>
-            </a:r>
-            <a:r>
-              <a:rPr lang="uk-UA" sz="2800" dirty="0"/>
-              <a:t>.  Редагування тексту із словника в відкритий формат </a:t>
-            </a:r>
-            <a:r>
-              <a:rPr lang="en-US" sz="2800" dirty="0"/>
-              <a:t> </a:t>
-            </a:r>
-            <a:r>
-              <a:rPr lang="uk-UA" sz="2800" dirty="0"/>
-              <a:t>було зроблено в окремій функції «</a:t>
-            </a:r>
-            <a:r>
-              <a:rPr lang="en-US" sz="2800" dirty="0" err="1"/>
-              <a:t>redact_parse</a:t>
-            </a:r>
-            <a:r>
-              <a:rPr lang="uk-UA" sz="2800" dirty="0"/>
-              <a:t>»</a:t>
-            </a:r>
-            <a:r>
-              <a:rPr lang="en-US" sz="2800" dirty="0"/>
-              <a:t> </a:t>
-            </a:r>
-            <a:r>
-              <a:rPr lang="uk-UA" sz="2800" dirty="0"/>
-              <a:t>для зручності використання в коді.</a:t>
-            </a:r>
+              <a:t> сторінку.</a:t>
+            </a:r>
+          </a:p>
+          <a:p>
+            <a:pPr marL="0" indent="0">
+              <a:buNone/>
+            </a:pPr>
+            <a:endParaRPr lang="uk-UA" dirty="0"/>
           </a:p>
         </p:txBody>
       </p:sp>
       <p:pic>
         <p:nvPicPr>
-          <p:cNvPr id="8" name="Рисунок 7">
+          <p:cNvPr id="4" name="Рисунок 3">
             <a:extLst>
               <a:ext uri="{FF2B5EF4-FFF2-40B4-BE49-F238E27FC236}">
-                <a16:creationId xmlns:a16="http://schemas.microsoft.com/office/drawing/2014/main" id="{6CFED125-C83A-44AC-88B8-CC18FD28EFF8}"/>
+                <a16:creationId xmlns:a16="http://schemas.microsoft.com/office/drawing/2014/main" id="{8A3536E5-4124-4E00-B985-4DB6542ADABE}"/>
               </a:ext>
             </a:extLst>
           </p:cNvPr>
@@ -7513,8 +7712,8 @@
         </p:blipFill>
         <p:spPr>
           <a:xfrm>
-            <a:off x="7621115" y="3605447"/>
-            <a:ext cx="4427274" cy="2069212"/>
+            <a:off x="8081682" y="981635"/>
+            <a:ext cx="2466636" cy="3260397"/>
           </a:xfrm>
           <a:prstGeom prst="rect">
             <a:avLst/>
@@ -7523,10 +7722,10 @@
       </p:pic>
       <p:pic>
         <p:nvPicPr>
-          <p:cNvPr id="9" name="Рисунок 8">
+          <p:cNvPr id="5" name="Рисунок 4">
             <a:extLst>
               <a:ext uri="{FF2B5EF4-FFF2-40B4-BE49-F238E27FC236}">
-                <a16:creationId xmlns:a16="http://schemas.microsoft.com/office/drawing/2014/main" id="{3AB04C9F-BFE1-4A30-93A9-C6083F792A85}"/>
+                <a16:creationId xmlns:a16="http://schemas.microsoft.com/office/drawing/2014/main" id="{61B3A0CD-F253-4C38-8506-29B0AF1AF228}"/>
               </a:ext>
             </a:extLst>
           </p:cNvPr>
@@ -7543,8 +7742,8 @@
         </p:blipFill>
         <p:spPr>
           <a:xfrm>
-            <a:off x="7656681" y="1617274"/>
-            <a:ext cx="4324648" cy="1635280"/>
+            <a:off x="7187049" y="4667373"/>
+            <a:ext cx="4701784" cy="1171642"/>
           </a:xfrm>
           <a:prstGeom prst="rect">
             <a:avLst/>
@@ -7554,7 +7753,7 @@
     </p:spTree>
     <p:extLst>
       <p:ext uri="{BB962C8B-B14F-4D97-AF65-F5344CB8AC3E}">
-        <p14:creationId xmlns:p14="http://schemas.microsoft.com/office/powerpoint/2010/main" val="3676682583"/>
+        <p14:creationId xmlns:p14="http://schemas.microsoft.com/office/powerpoint/2010/main" val="3377218554"/>
       </p:ext>
     </p:extLst>
   </p:cSld>
